--- a/RBS using Python.pptx
+++ b/RBS using Python.pptx
@@ -265,7 +265,7 @@
           <a:p>
             <a:fld id="{46174308-8730-D743-AAC5-02BACEA3886F}" type="datetimeFigureOut">
               <a:rPr lang="en-US" smtClean="0"/>
-              <a:t>12/12/18</a:t>
+              <a:t>12/13/18</a:t>
             </a:fld>
             <a:endParaRPr lang="en-US"/>
           </a:p>
@@ -463,7 +463,7 @@
           <a:p>
             <a:fld id="{46174308-8730-D743-AAC5-02BACEA3886F}" type="datetimeFigureOut">
               <a:rPr lang="en-US" smtClean="0"/>
-              <a:t>12/12/18</a:t>
+              <a:t>12/13/18</a:t>
             </a:fld>
             <a:endParaRPr lang="en-US"/>
           </a:p>
@@ -671,7 +671,7 @@
           <a:p>
             <a:fld id="{46174308-8730-D743-AAC5-02BACEA3886F}" type="datetimeFigureOut">
               <a:rPr lang="en-US" smtClean="0"/>
-              <a:t>12/12/18</a:t>
+              <a:t>12/13/18</a:t>
             </a:fld>
             <a:endParaRPr lang="en-US"/>
           </a:p>
@@ -869,7 +869,7 @@
           <a:p>
             <a:fld id="{46174308-8730-D743-AAC5-02BACEA3886F}" type="datetimeFigureOut">
               <a:rPr lang="en-US" smtClean="0"/>
-              <a:t>12/12/18</a:t>
+              <a:t>12/13/18</a:t>
             </a:fld>
             <a:endParaRPr lang="en-US"/>
           </a:p>
@@ -1144,7 +1144,7 @@
           <a:p>
             <a:fld id="{46174308-8730-D743-AAC5-02BACEA3886F}" type="datetimeFigureOut">
               <a:rPr lang="en-US" smtClean="0"/>
-              <a:t>12/12/18</a:t>
+              <a:t>12/13/18</a:t>
             </a:fld>
             <a:endParaRPr lang="en-US"/>
           </a:p>
@@ -1409,7 +1409,7 @@
           <a:p>
             <a:fld id="{46174308-8730-D743-AAC5-02BACEA3886F}" type="datetimeFigureOut">
               <a:rPr lang="en-US" smtClean="0"/>
-              <a:t>12/12/18</a:t>
+              <a:t>12/13/18</a:t>
             </a:fld>
             <a:endParaRPr lang="en-US"/>
           </a:p>
@@ -1821,7 +1821,7 @@
           <a:p>
             <a:fld id="{46174308-8730-D743-AAC5-02BACEA3886F}" type="datetimeFigureOut">
               <a:rPr lang="en-US" smtClean="0"/>
-              <a:t>12/12/18</a:t>
+              <a:t>12/13/18</a:t>
             </a:fld>
             <a:endParaRPr lang="en-US"/>
           </a:p>
@@ -1962,7 +1962,7 @@
           <a:p>
             <a:fld id="{46174308-8730-D743-AAC5-02BACEA3886F}" type="datetimeFigureOut">
               <a:rPr lang="en-US" smtClean="0"/>
-              <a:t>12/12/18</a:t>
+              <a:t>12/13/18</a:t>
             </a:fld>
             <a:endParaRPr lang="en-US"/>
           </a:p>
@@ -2075,7 +2075,7 @@
           <a:p>
             <a:fld id="{46174308-8730-D743-AAC5-02BACEA3886F}" type="datetimeFigureOut">
               <a:rPr lang="en-US" smtClean="0"/>
-              <a:t>12/12/18</a:t>
+              <a:t>12/13/18</a:t>
             </a:fld>
             <a:endParaRPr lang="en-US"/>
           </a:p>
@@ -2386,7 +2386,7 @@
           <a:p>
             <a:fld id="{46174308-8730-D743-AAC5-02BACEA3886F}" type="datetimeFigureOut">
               <a:rPr lang="en-US" smtClean="0"/>
-              <a:t>12/12/18</a:t>
+              <a:t>12/13/18</a:t>
             </a:fld>
             <a:endParaRPr lang="en-US"/>
           </a:p>
@@ -2674,7 +2674,7 @@
           <a:p>
             <a:fld id="{46174308-8730-D743-AAC5-02BACEA3886F}" type="datetimeFigureOut">
               <a:rPr lang="en-US" smtClean="0"/>
-              <a:t>12/12/18</a:t>
+              <a:t>12/13/18</a:t>
             </a:fld>
             <a:endParaRPr lang="en-US"/>
           </a:p>
@@ -2915,7 +2915,7 @@
           <a:p>
             <a:fld id="{46174308-8730-D743-AAC5-02BACEA3886F}" type="datetimeFigureOut">
               <a:rPr lang="en-US" smtClean="0"/>
-              <a:t>12/12/18</a:t>
+              <a:t>12/13/18</a:t>
             </a:fld>
             <a:endParaRPr lang="en-US"/>
           </a:p>
@@ -3392,8 +3392,8 @@
           <a:p>
             <a:pPr algn="r"/>
             <a:r>
-              <a:rPr lang="en-US" dirty="0" err="1"/>
-              <a:t>Jushkhun</a:t>
+              <a:rPr lang="en-US"/>
+              <a:t>Juxihong Julaiti</a:t>
             </a:r>
             <a:endParaRPr lang="en-US" dirty="0"/>
           </a:p>
